--- a/slides/16-Generics.pptx
+++ b/slides/16-Generics.pptx
@@ -231,7 +231,7 @@
             <a:fld id="{63EE0429-3A54-4FCE-9BEC-4E6874F5DDA5}" type="datetimeFigureOut">
               <a:rPr lang="pt-BR" smtClean="0"/>
               <a:pPr/>
-              <a:t>23/01/2012</a:t>
+              <a:t>13/04/2012</a:t>
             </a:fld>
             <a:endParaRPr lang="pt-BR"/>
           </a:p>
@@ -400,7 +400,7 @@
     </p:spTree>
     <p:extLst>
       <p:ext uri="{BB962C8B-B14F-4D97-AF65-F5344CB8AC3E}">
-        <p14:creationId xmlns:p14="http://schemas.microsoft.com/office/powerpoint/2010/main" xmlns="" val="594373875"/>
+        <p14:creationId xmlns:p14="http://schemas.microsoft.com/office/powerpoint/2010/main" val="594373875"/>
       </p:ext>
     </p:extLst>
   </p:cSld>
@@ -579,7 +579,7 @@
     </p:spTree>
     <p:extLst>
       <p:ext uri="{BB962C8B-B14F-4D97-AF65-F5344CB8AC3E}">
-        <p14:creationId xmlns:p14="http://schemas.microsoft.com/office/powerpoint/2010/main" xmlns="" val="3805640522"/>
+        <p14:creationId xmlns:p14="http://schemas.microsoft.com/office/powerpoint/2010/main" val="3805640522"/>
       </p:ext>
     </p:extLst>
   </p:cSld>
@@ -3896,7 +3896,7 @@
             <a:fld id="{C1675C04-B1D7-4314-A174-D1660FB6FF37}" type="datetimeFigureOut">
               <a:rPr lang="pt-BR" smtClean="0"/>
               <a:pPr/>
-              <a:t>23/01/2012</a:t>
+              <a:t>13/04/2012</a:t>
             </a:fld>
             <a:endParaRPr lang="pt-BR"/>
           </a:p>
@@ -3948,7 +3948,7 @@
     </p:spTree>
     <p:extLst>
       <p:ext uri="{BB962C8B-B14F-4D97-AF65-F5344CB8AC3E}">
-        <p14:creationId xmlns:p14="http://schemas.microsoft.com/office/powerpoint/2010/main" xmlns="" val="3819067513"/>
+        <p14:creationId xmlns:p14="http://schemas.microsoft.com/office/powerpoint/2010/main" val="3819067513"/>
       </p:ext>
     </p:extLst>
   </p:cSld>
@@ -4120,7 +4120,7 @@
             <a:fld id="{C1675C04-B1D7-4314-A174-D1660FB6FF37}" type="datetimeFigureOut">
               <a:rPr lang="pt-BR" smtClean="0"/>
               <a:pPr/>
-              <a:t>23/01/2012</a:t>
+              <a:t>13/04/2012</a:t>
             </a:fld>
             <a:endParaRPr lang="pt-BR"/>
           </a:p>
@@ -4172,7 +4172,7 @@
     </p:spTree>
     <p:extLst>
       <p:ext uri="{BB962C8B-B14F-4D97-AF65-F5344CB8AC3E}">
-        <p14:creationId xmlns:p14="http://schemas.microsoft.com/office/powerpoint/2010/main" xmlns="" val="4293683188"/>
+        <p14:creationId xmlns:p14="http://schemas.microsoft.com/office/powerpoint/2010/main" val="4293683188"/>
       </p:ext>
     </p:extLst>
   </p:cSld>
@@ -4354,7 +4354,7 @@
             <a:fld id="{C1675C04-B1D7-4314-A174-D1660FB6FF37}" type="datetimeFigureOut">
               <a:rPr lang="pt-BR" smtClean="0"/>
               <a:pPr/>
-              <a:t>23/01/2012</a:t>
+              <a:t>13/04/2012</a:t>
             </a:fld>
             <a:endParaRPr lang="pt-BR"/>
           </a:p>
@@ -4406,7 +4406,7 @@
     </p:spTree>
     <p:extLst>
       <p:ext uri="{BB962C8B-B14F-4D97-AF65-F5344CB8AC3E}">
-        <p14:creationId xmlns:p14="http://schemas.microsoft.com/office/powerpoint/2010/main" xmlns="" val="932540526"/>
+        <p14:creationId xmlns:p14="http://schemas.microsoft.com/office/powerpoint/2010/main" val="932540526"/>
       </p:ext>
     </p:extLst>
   </p:cSld>
@@ -4675,7 +4675,7 @@
     </p:spTree>
     <p:extLst>
       <p:ext uri="{BB962C8B-B14F-4D97-AF65-F5344CB8AC3E}">
-        <p14:creationId xmlns:p14="http://schemas.microsoft.com/office/powerpoint/2010/main" xmlns="" val="45777805"/>
+        <p14:creationId xmlns:p14="http://schemas.microsoft.com/office/powerpoint/2010/main" val="45777805"/>
       </p:ext>
     </p:extLst>
   </p:cSld>
@@ -4715,7 +4715,7 @@
           <a:blip r:embed="rId2" cstate="print">
             <a:extLst>
               <a:ext uri="{BEBA8EAE-BF5A-486C-A8C5-ECC9F3942E4B}">
-                <a14:imgProps xmlns:a14="http://schemas.microsoft.com/office/drawing/2010/main" xmlns="">
+                <a14:imgProps xmlns:a14="http://schemas.microsoft.com/office/drawing/2010/main">
                   <a14:imgLayer r:embed="rId3">
                     <a14:imgEffect>
                       <a14:artisticBlur/>
@@ -4724,7 +4724,7 @@
                 </a14:imgProps>
               </a:ext>
               <a:ext uri="{28A0092B-C50C-407E-A947-70E740481C1C}">
-                <a14:useLocalDpi xmlns:a14="http://schemas.microsoft.com/office/drawing/2010/main" xmlns="" val="0"/>
+                <a14:useLocalDpi xmlns:a14="http://schemas.microsoft.com/office/drawing/2010/main" val="0"/>
               </a:ext>
             </a:extLst>
           </a:blip>
@@ -4746,14 +4746,14 @@
           </a:ln>
           <a:extLst>
             <a:ext uri="{909E8E84-426E-40DD-AFC4-6F175D3DCCD1}">
-              <a14:hiddenFill xmlns:a14="http://schemas.microsoft.com/office/drawing/2010/main" xmlns="">
+              <a14:hiddenFill xmlns:a14="http://schemas.microsoft.com/office/drawing/2010/main">
                 <a:solidFill>
                   <a:schemeClr val="accent1"/>
                 </a:solidFill>
               </a14:hiddenFill>
             </a:ext>
             <a:ext uri="{91240B29-F687-4F45-9708-019B960494DF}">
-              <a14:hiddenLine xmlns:a14="http://schemas.microsoft.com/office/drawing/2010/main" xmlns="" w="9525">
+              <a14:hiddenLine xmlns:a14="http://schemas.microsoft.com/office/drawing/2010/main" w="9525">
                 <a:solidFill>
                   <a:schemeClr val="tx1"/>
                 </a:solidFill>
@@ -4763,7 +4763,7 @@
               </a14:hiddenLine>
             </a:ext>
             <a:ext uri="{AF507438-7753-43E0-B8FC-AC1667EBCBE1}">
-              <a14:hiddenEffects xmlns:a14="http://schemas.microsoft.com/office/drawing/2010/main" xmlns="">
+              <a14:hiddenEffects xmlns:a14="http://schemas.microsoft.com/office/drawing/2010/main">
                 <a:effectLst>
                   <a:outerShdw dist="35921" dir="2700000" algn="ctr" rotWithShape="0">
                     <a:schemeClr val="bg2"/>
@@ -4959,7 +4959,7 @@
             <a:fld id="{C1675C04-B1D7-4314-A174-D1660FB6FF37}" type="datetimeFigureOut">
               <a:rPr lang="pt-BR" smtClean="0"/>
               <a:pPr/>
-              <a:t>23/01/2012</a:t>
+              <a:t>13/04/2012</a:t>
             </a:fld>
             <a:endParaRPr lang="pt-BR"/>
           </a:p>
@@ -5011,7 +5011,7 @@
     </p:spTree>
     <p:extLst>
       <p:ext uri="{BB962C8B-B14F-4D97-AF65-F5344CB8AC3E}">
-        <p14:creationId xmlns:p14="http://schemas.microsoft.com/office/powerpoint/2010/main" xmlns="" val="1140807732"/>
+        <p14:creationId xmlns:p14="http://schemas.microsoft.com/office/powerpoint/2010/main" val="1140807732"/>
       </p:ext>
     </p:extLst>
   </p:cSld>
@@ -5217,7 +5217,7 @@
             <a:fld id="{C1675C04-B1D7-4314-A174-D1660FB6FF37}" type="datetimeFigureOut">
               <a:rPr lang="pt-BR" smtClean="0"/>
               <a:pPr/>
-              <a:t>23/01/2012</a:t>
+              <a:t>13/04/2012</a:t>
             </a:fld>
             <a:endParaRPr lang="pt-BR"/>
           </a:p>
@@ -5269,7 +5269,7 @@
     </p:spTree>
     <p:extLst>
       <p:ext uri="{BB962C8B-B14F-4D97-AF65-F5344CB8AC3E}">
-        <p14:creationId xmlns:p14="http://schemas.microsoft.com/office/powerpoint/2010/main" xmlns="" val="3735907881"/>
+        <p14:creationId xmlns:p14="http://schemas.microsoft.com/office/powerpoint/2010/main" val="3735907881"/>
       </p:ext>
     </p:extLst>
   </p:cSld>
@@ -5563,7 +5563,7 @@
             <a:fld id="{C1675C04-B1D7-4314-A174-D1660FB6FF37}" type="datetimeFigureOut">
               <a:rPr lang="pt-BR" smtClean="0"/>
               <a:pPr/>
-              <a:t>23/01/2012</a:t>
+              <a:t>13/04/2012</a:t>
             </a:fld>
             <a:endParaRPr lang="pt-BR"/>
           </a:p>
@@ -5615,7 +5615,7 @@
     </p:spTree>
     <p:extLst>
       <p:ext uri="{BB962C8B-B14F-4D97-AF65-F5344CB8AC3E}">
-        <p14:creationId xmlns:p14="http://schemas.microsoft.com/office/powerpoint/2010/main" xmlns="" val="2820318444"/>
+        <p14:creationId xmlns:p14="http://schemas.microsoft.com/office/powerpoint/2010/main" val="2820318444"/>
       </p:ext>
     </p:extLst>
   </p:cSld>
@@ -6047,7 +6047,7 @@
             <a:fld id="{C1675C04-B1D7-4314-A174-D1660FB6FF37}" type="datetimeFigureOut">
               <a:rPr lang="pt-BR" smtClean="0"/>
               <a:pPr/>
-              <a:t>23/01/2012</a:t>
+              <a:t>13/04/2012</a:t>
             </a:fld>
             <a:endParaRPr lang="pt-BR"/>
           </a:p>
@@ -6099,7 +6099,7 @@
     </p:spTree>
     <p:extLst>
       <p:ext uri="{BB962C8B-B14F-4D97-AF65-F5344CB8AC3E}">
-        <p14:creationId xmlns:p14="http://schemas.microsoft.com/office/powerpoint/2010/main" xmlns="" val="566552069"/>
+        <p14:creationId xmlns:p14="http://schemas.microsoft.com/office/powerpoint/2010/main" val="566552069"/>
       </p:ext>
     </p:extLst>
   </p:cSld>
@@ -6183,7 +6183,7 @@
             <a:fld id="{C1675C04-B1D7-4314-A174-D1660FB6FF37}" type="datetimeFigureOut">
               <a:rPr lang="pt-BR" smtClean="0"/>
               <a:pPr/>
-              <a:t>23/01/2012</a:t>
+              <a:t>13/04/2012</a:t>
             </a:fld>
             <a:endParaRPr lang="pt-BR"/>
           </a:p>
@@ -6235,7 +6235,7 @@
     </p:spTree>
     <p:extLst>
       <p:ext uri="{BB962C8B-B14F-4D97-AF65-F5344CB8AC3E}">
-        <p14:creationId xmlns:p14="http://schemas.microsoft.com/office/powerpoint/2010/main" xmlns="" val="1358390184"/>
+        <p14:creationId xmlns:p14="http://schemas.microsoft.com/office/powerpoint/2010/main" val="1358390184"/>
       </p:ext>
     </p:extLst>
   </p:cSld>
@@ -6288,7 +6288,7 @@
             <a:fld id="{C1675C04-B1D7-4314-A174-D1660FB6FF37}" type="datetimeFigureOut">
               <a:rPr lang="pt-BR" smtClean="0"/>
               <a:pPr/>
-              <a:t>23/01/2012</a:t>
+              <a:t>13/04/2012</a:t>
             </a:fld>
             <a:endParaRPr lang="pt-BR"/>
           </a:p>
@@ -6340,7 +6340,7 @@
     </p:spTree>
     <p:extLst>
       <p:ext uri="{BB962C8B-B14F-4D97-AF65-F5344CB8AC3E}">
-        <p14:creationId xmlns:p14="http://schemas.microsoft.com/office/powerpoint/2010/main" xmlns="" val="3705262111"/>
+        <p14:creationId xmlns:p14="http://schemas.microsoft.com/office/powerpoint/2010/main" val="3705262111"/>
       </p:ext>
     </p:extLst>
   </p:cSld>
@@ -6603,7 +6603,7 @@
             <a:fld id="{C1675C04-B1D7-4314-A174-D1660FB6FF37}" type="datetimeFigureOut">
               <a:rPr lang="pt-BR" smtClean="0"/>
               <a:pPr/>
-              <a:t>23/01/2012</a:t>
+              <a:t>13/04/2012</a:t>
             </a:fld>
             <a:endParaRPr lang="pt-BR"/>
           </a:p>
@@ -6655,7 +6655,7 @@
     </p:spTree>
     <p:extLst>
       <p:ext uri="{BB962C8B-B14F-4D97-AF65-F5344CB8AC3E}">
-        <p14:creationId xmlns:p14="http://schemas.microsoft.com/office/powerpoint/2010/main" xmlns="" val="2189634051"/>
+        <p14:creationId xmlns:p14="http://schemas.microsoft.com/office/powerpoint/2010/main" val="2189634051"/>
       </p:ext>
     </p:extLst>
   </p:cSld>
@@ -6878,7 +6878,7 @@
             <a:fld id="{C1675C04-B1D7-4314-A174-D1660FB6FF37}" type="datetimeFigureOut">
               <a:rPr lang="pt-BR" smtClean="0"/>
               <a:pPr/>
-              <a:t>23/01/2012</a:t>
+              <a:t>13/04/2012</a:t>
             </a:fld>
             <a:endParaRPr lang="pt-BR"/>
           </a:p>
@@ -6930,7 +6930,7 @@
     </p:spTree>
     <p:extLst>
       <p:ext uri="{BB962C8B-B14F-4D97-AF65-F5344CB8AC3E}">
-        <p14:creationId xmlns:p14="http://schemas.microsoft.com/office/powerpoint/2010/main" xmlns="" val="3848481695"/>
+        <p14:creationId xmlns:p14="http://schemas.microsoft.com/office/powerpoint/2010/main" val="3848481695"/>
       </p:ext>
     </p:extLst>
   </p:cSld>
@@ -7094,7 +7094,7 @@
             <a:fld id="{C1675C04-B1D7-4314-A174-D1660FB6FF37}" type="datetimeFigureOut">
               <a:rPr lang="pt-BR" smtClean="0"/>
               <a:pPr/>
-              <a:t>23/01/2012</a:t>
+              <a:t>13/04/2012</a:t>
             </a:fld>
             <a:endParaRPr lang="pt-BR"/>
           </a:p>
@@ -7208,7 +7208,7 @@
     </p:spTree>
     <p:extLst>
       <p:ext uri="{BB962C8B-B14F-4D97-AF65-F5344CB8AC3E}">
-        <p14:creationId xmlns:p14="http://schemas.microsoft.com/office/powerpoint/2010/main" xmlns="" val="2257276274"/>
+        <p14:creationId xmlns:p14="http://schemas.microsoft.com/office/powerpoint/2010/main" val="2257276274"/>
       </p:ext>
     </p:extLst>
   </p:cSld>
@@ -7517,7 +7517,7 @@
           <a:blip r:embed="rId3" cstate="print">
             <a:extLst>
               <a:ext uri="{28A0092B-C50C-407E-A947-70E740481C1C}">
-                <a14:useLocalDpi xmlns:a14="http://schemas.microsoft.com/office/drawing/2010/main" xmlns="" val="0"/>
+                <a14:useLocalDpi xmlns:a14="http://schemas.microsoft.com/office/drawing/2010/main" val="0"/>
               </a:ext>
             </a:extLst>
           </a:blip>
@@ -7541,14 +7541,14 @@
           <a:effectLst/>
           <a:extLst>
             <a:ext uri="{909E8E84-426E-40DD-AFC4-6F175D3DCCD1}">
-              <a14:hiddenFill xmlns:a14="http://schemas.microsoft.com/office/drawing/2010/main" xmlns="">
+              <a14:hiddenFill xmlns:a14="http://schemas.microsoft.com/office/drawing/2010/main">
                 <a:solidFill>
                   <a:schemeClr val="accent1"/>
                 </a:solidFill>
               </a14:hiddenFill>
             </a:ext>
             <a:ext uri="{91240B29-F687-4F45-9708-019B960494DF}">
-              <a14:hiddenLine xmlns:a14="http://schemas.microsoft.com/office/drawing/2010/main" xmlns="" w="9525">
+              <a14:hiddenLine xmlns:a14="http://schemas.microsoft.com/office/drawing/2010/main" w="9525">
                 <a:solidFill>
                   <a:schemeClr val="tx1"/>
                 </a:solidFill>
@@ -7558,7 +7558,7 @@
               </a14:hiddenLine>
             </a:ext>
             <a:ext uri="{AF507438-7753-43E0-B8FC-AC1667EBCBE1}">
-              <a14:hiddenEffects xmlns:a14="http://schemas.microsoft.com/office/drawing/2010/main" xmlns="">
+              <a14:hiddenEffects xmlns:a14="http://schemas.microsoft.com/office/drawing/2010/main">
                 <a:effectLst>
                   <a:outerShdw dist="35921" dir="2700000" algn="ctr" rotWithShape="0">
                     <a:schemeClr val="bg2"/>
@@ -7639,7 +7639,7 @@
     </p:spTree>
     <p:extLst>
       <p:ext uri="{BB962C8B-B14F-4D97-AF65-F5344CB8AC3E}">
-        <p14:creationId xmlns:p14="http://schemas.microsoft.com/office/powerpoint/2010/main" xmlns="" val="164985714"/>
+        <p14:creationId xmlns:p14="http://schemas.microsoft.com/office/powerpoint/2010/main" val="164985714"/>
       </p:ext>
     </p:extLst>
   </p:cSld>
@@ -11202,19 +11202,11 @@
             </a:r>
             <a:r>
               <a:rPr lang="pt-BR" dirty="0" err="1" smtClean="0"/>
-              <a:t>e</a:t>
-            </a:r>
-            <a:r>
-              <a:rPr lang="pt-BR" dirty="0" err="1" smtClean="0"/>
-              <a:t>xtends</a:t>
-            </a:r>
-            <a:r>
-              <a:rPr lang="pt-BR" dirty="0" smtClean="0"/>
-              <a:t> </a:t>
-            </a:r>
-            <a:r>
-              <a:rPr lang="pt-BR" dirty="0" smtClean="0"/>
-              <a:t>Animal&gt; </a:t>
+              <a:t>extends</a:t>
+            </a:r>
+            <a:r>
+              <a:rPr lang="pt-BR" dirty="0" smtClean="0"/>
+              <a:t> Animal&gt; </a:t>
             </a:r>
             <a:r>
               <a:rPr lang="pt-BR" dirty="0" err="1" smtClean="0"/>
@@ -11597,11 +11589,7 @@
           <a:p>
             <a:r>
               <a:rPr lang="pt-BR" smtClean="0"/>
-              <a:t>Isso </a:t>
-            </a:r>
-            <a:r>
-              <a:rPr lang="pt-BR" smtClean="0"/>
-              <a:t>se </a:t>
+              <a:t>Isso se </a:t>
             </a:r>
             <a:r>
               <a:rPr lang="pt-BR" dirty="0" smtClean="0"/>
@@ -12219,6 +12207,13 @@
     <a:masterClrMapping/>
   </p:clrMapOvr>
   <p:transition spd="slow"/>
+  <p:timing>
+    <p:tnLst>
+      <p:par>
+        <p:cTn id="1" dur="indefinite" restart="never" nodeType="tmRoot"/>
+      </p:par>
+    </p:tnLst>
+  </p:timing>
 </p:sld>
 </file>
 
@@ -12384,6 +12379,13 @@
     <a:masterClrMapping/>
   </p:clrMapOvr>
   <p:transition spd="slow"/>
+  <p:timing>
+    <p:tnLst>
+      <p:par>
+        <p:cTn id="1" dur="indefinite" restart="never" nodeType="tmRoot"/>
+      </p:par>
+    </p:tnLst>
+  </p:timing>
 </p:sld>
 </file>
 
@@ -12857,6 +12859,13 @@
     <a:masterClrMapping/>
   </p:clrMapOvr>
   <p:transition spd="slow"/>
+  <p:timing>
+    <p:tnLst>
+      <p:par>
+        <p:cTn id="1" dur="indefinite" restart="never" nodeType="tmRoot"/>
+      </p:par>
+    </p:tnLst>
+  </p:timing>
 </p:sld>
 </file>
 
@@ -13233,6 +13242,13 @@
     <a:masterClrMapping/>
   </p:clrMapOvr>
   <p:transition spd="slow"/>
+  <p:timing>
+    <p:tnLst>
+      <p:par>
+        <p:cTn id="1" dur="indefinite" restart="never" nodeType="tmRoot"/>
+      </p:par>
+    </p:tnLst>
+  </p:timing>
 </p:sld>
 </file>
 
@@ -13339,6 +13355,13 @@
     <a:masterClrMapping/>
   </p:clrMapOvr>
   <p:transition spd="slow"/>
+  <p:timing>
+    <p:tnLst>
+      <p:par>
+        <p:cTn id="1" dur="indefinite" restart="never" nodeType="tmRoot"/>
+      </p:par>
+    </p:tnLst>
+  </p:timing>
 </p:sld>
 </file>
 
@@ -13472,6 +13495,13 @@
     <a:masterClrMapping/>
   </p:clrMapOvr>
   <p:transition spd="slow"/>
+  <p:timing>
+    <p:tnLst>
+      <p:par>
+        <p:cTn id="1" dur="indefinite" restart="never" nodeType="tmRoot"/>
+      </p:par>
+    </p:tnLst>
+  </p:timing>
 </p:sld>
 </file>
 
@@ -13587,6 +13617,13 @@
     <a:masterClrMapping/>
   </p:clrMapOvr>
   <p:transition spd="slow"/>
+  <p:timing>
+    <p:tnLst>
+      <p:par>
+        <p:cTn id="1" dur="indefinite" restart="never" nodeType="tmRoot"/>
+      </p:par>
+    </p:tnLst>
+  </p:timing>
 </p:sld>
 </file>
 
@@ -13689,12 +13726,23 @@
               <a:buNone/>
             </a:pPr>
             <a:r>
-              <a:rPr lang="en-US" sz="1600" dirty="0" smtClean="0">
-                <a:latin typeface="Consolas" pitchFamily="49" charset="0"/>
-                <a:cs typeface="Consolas" pitchFamily="49" charset="0"/>
-              </a:rPr>
-              <a:t>class Bucket&lt;E&gt;{</a:t>
-            </a:r>
+              <a:rPr lang="en-US" sz="1600" smtClean="0">
+                <a:latin typeface="Consolas" pitchFamily="49" charset="0"/>
+                <a:cs typeface="Consolas" pitchFamily="49" charset="0"/>
+              </a:rPr>
+              <a:t>class </a:t>
+            </a:r>
+            <a:r>
+              <a:rPr lang="en-US" sz="1600" smtClean="0">
+                <a:latin typeface="Consolas" pitchFamily="49" charset="0"/>
+                <a:cs typeface="Consolas" pitchFamily="49" charset="0"/>
+              </a:rPr>
+              <a:t>Bucket&lt;E&gt;{</a:t>
+            </a:r>
+            <a:endParaRPr lang="en-US" sz="1600" dirty="0" smtClean="0">
+              <a:latin typeface="Consolas" pitchFamily="49" charset="0"/>
+              <a:cs typeface="Consolas" pitchFamily="49" charset="0"/>
+            </a:endParaRPr>
           </a:p>
           <a:p>
             <a:pPr>
@@ -14030,6 +14078,13 @@
     <a:masterClrMapping/>
   </p:clrMapOvr>
   <p:transition spd="slow"/>
+  <p:timing>
+    <p:tnLst>
+      <p:par>
+        <p:cTn id="1" dur="indefinite" restart="never" nodeType="tmRoot"/>
+      </p:par>
+    </p:tnLst>
+  </p:timing>
 </p:sld>
 </file>
 
@@ -14173,6 +14228,13 @@
     <a:masterClrMapping/>
   </p:clrMapOvr>
   <p:transition spd="slow"/>
+  <p:timing>
+    <p:tnLst>
+      <p:par>
+        <p:cTn id="1" dur="indefinite" restart="never" nodeType="tmRoot"/>
+      </p:par>
+    </p:tnLst>
+  </p:timing>
 </p:sld>
 </file>
 
@@ -14623,6 +14685,13 @@
     <a:masterClrMapping/>
   </p:clrMapOvr>
   <p:transition spd="slow"/>
+  <p:timing>
+    <p:tnLst>
+      <p:par>
+        <p:cTn id="1" dur="indefinite" restart="never" nodeType="tmRoot"/>
+      </p:par>
+    </p:tnLst>
+  </p:timing>
 </p:sld>
 </file>
 
@@ -14743,6 +14812,13 @@
     <a:masterClrMapping/>
   </p:clrMapOvr>
   <p:transition spd="slow"/>
+  <p:timing>
+    <p:tnLst>
+      <p:par>
+        <p:cTn id="1" dur="indefinite" restart="never" nodeType="tmRoot"/>
+      </p:par>
+    </p:tnLst>
+  </p:timing>
 </p:sld>
 </file>
 
@@ -17148,18 +17224,34 @@
                 <a:latin typeface="Consolas" pitchFamily="49" charset="0"/>
                 <a:cs typeface="Consolas" pitchFamily="49" charset="0"/>
               </a:rPr>
-              <a:t>class Child extends Parent { }</a:t>
-            </a:r>
-          </a:p>
-          <a:p>
-            <a:pPr>
-              <a:buNone/>
-            </a:pPr>
+              <a:t>class Child extends Parent { </a:t>
+            </a:r>
             <a:r>
               <a:rPr lang="en-US" dirty="0" smtClean="0">
                 <a:latin typeface="Consolas" pitchFamily="49" charset="0"/>
                 <a:cs typeface="Consolas" pitchFamily="49" charset="0"/>
               </a:rPr>
+              <a:t>}</a:t>
+            </a:r>
+          </a:p>
+          <a:p>
+            <a:pPr>
+              <a:buNone/>
+            </a:pPr>
+            <a:endParaRPr lang="en-US" dirty="0" smtClean="0">
+              <a:latin typeface="Consolas" pitchFamily="49" charset="0"/>
+              <a:cs typeface="Consolas" pitchFamily="49" charset="0"/>
+            </a:endParaRPr>
+          </a:p>
+          <a:p>
+            <a:pPr>
+              <a:buNone/>
+            </a:pPr>
+            <a:r>
+              <a:rPr lang="en-US" dirty="0" smtClean="0">
+                <a:latin typeface="Consolas" pitchFamily="49" charset="0"/>
+                <a:cs typeface="Consolas" pitchFamily="49" charset="0"/>
+              </a:rPr>
               <a:t>List&lt;Parent&gt; </a:t>
             </a:r>
             <a:r>
@@ -17174,13 +17266,15 @@
                 <a:latin typeface="Consolas" pitchFamily="49" charset="0"/>
                 <a:cs typeface="Consolas" pitchFamily="49" charset="0"/>
               </a:rPr>
-              <a:t> = new</a:t>
-            </a:r>
-          </a:p>
-          <a:p>
-            <a:pPr>
-              <a:buNone/>
-            </a:pPr>
+              <a:t> = </a:t>
+            </a:r>
+            <a:r>
+              <a:rPr lang="en-US" dirty="0" smtClean="0">
+                <a:latin typeface="Consolas" pitchFamily="49" charset="0"/>
+                <a:cs typeface="Consolas" pitchFamily="49" charset="0"/>
+              </a:rPr>
+              <a:t>new </a:t>
+            </a:r>
             <a:r>
               <a:rPr lang="en-US" dirty="0" err="1" smtClean="0">
                 <a:latin typeface="Consolas" pitchFamily="49" charset="0"/>
@@ -17193,7 +17287,14 @@
                 <a:latin typeface="Consolas" pitchFamily="49" charset="0"/>
                 <a:cs typeface="Consolas" pitchFamily="49" charset="0"/>
               </a:rPr>
-              <a:t>&lt;Child&gt;();</a:t>
+              <a:t>&lt;Child</a:t>
+            </a:r>
+            <a:r>
+              <a:rPr lang="en-US" dirty="0" smtClean="0">
+                <a:latin typeface="Consolas" pitchFamily="49" charset="0"/>
+                <a:cs typeface="Consolas" pitchFamily="49" charset="0"/>
+              </a:rPr>
+              <a:t>&gt;();</a:t>
             </a:r>
             <a:endParaRPr lang="pt-BR" dirty="0">
               <a:latin typeface="Consolas" pitchFamily="49" charset="0"/>
